--- a/Slides/ggl030-Boxes.pptx
+++ b/Slides/ggl030-Boxes.pptx
@@ -214,7 +214,7 @@
             <a:fld id="{C0D025BB-35D5-419D-8ED2-E5EDB67F143A}" type="datetimeFigureOut">
               <a:rPr lang="en-US" smtClean="0"/>
               <a:pPr/>
-              <a:t>9/21/2020</a:t>
+              <a:t>9/22/2021</a:t>
             </a:fld>
             <a:endParaRPr lang="en-US"/>
           </a:p>
@@ -1212,7 +1212,7 @@
             <a:fld id="{77DAEA1A-6276-4434-840E-9C81C04BC3C1}" type="datetimeFigureOut">
               <a:rPr lang="en-US" smtClean="0"/>
               <a:pPr/>
-              <a:t>9/21/2020</a:t>
+              <a:t>9/22/2021</a:t>
             </a:fld>
             <a:endParaRPr lang="en-US"/>
           </a:p>
@@ -1609,11 +1609,11 @@
               <a:t>gg</a:t>
             </a:r>
             <a:r>
-              <a:rPr lang="en-US" dirty="0" smtClean="0"/>
+              <a:rPr lang="en-US" dirty="0"/>
               <a:t>l0</a:t>
             </a:r>
             <a:r>
-              <a:rPr lang="hu-HU" dirty="0" smtClean="0"/>
+              <a:rPr lang="hu-HU" dirty="0"/>
               <a:t>30-Boxes</a:t>
             </a:r>
             <a:endParaRPr lang="en-US" dirty="0"/>
@@ -1638,7 +1638,7 @@
           <a:lstStyle/>
           <a:p>
             <a:r>
-              <a:rPr lang="hu-HU" dirty="0" smtClean="0"/>
+              <a:rPr lang="hu-HU" dirty="0"/>
               <a:t>Több objektum</a:t>
             </a:r>
             <a:endParaRPr lang="en-US" dirty="0"/>
@@ -1672,13 +1672,6 @@
   <p:clrMapOvr>
     <a:masterClrMapping/>
   </p:clrMapOvr>
-  <p:timing>
-    <p:tnLst>
-      <p:par>
-        <p:cTn id="1" dur="indefinite" restart="never" nodeType="tmRoot"/>
-      </p:par>
-    </p:tnLst>
-  </p:timing>
 </p:sld>
 </file>
 
@@ -1715,7 +1708,7 @@
           <a:lstStyle/>
           <a:p>
             <a:r>
-              <a:rPr lang="hu-HU" dirty="0" smtClean="0"/>
+              <a:rPr lang="hu-HU" dirty="0"/>
               <a:t>Gyakorló feladat</a:t>
             </a:r>
             <a:endParaRPr lang="en-US" dirty="0"/>
@@ -1738,69 +1731,73 @@
           <a:lstStyle/>
           <a:p>
             <a:r>
-              <a:rPr lang="hu-HU" dirty="0" smtClean="0"/>
+              <a:rPr lang="hu-HU" dirty="0"/>
               <a:t>több mozgó doboz létrehozása</a:t>
             </a:r>
           </a:p>
           <a:p>
             <a:r>
-              <a:rPr lang="hu-HU" dirty="0" smtClean="0"/>
+              <a:rPr lang="hu-HU" dirty="0"/>
               <a:t>Box osztály</a:t>
             </a:r>
           </a:p>
           <a:p>
             <a:pPr lvl="1"/>
             <a:r>
-              <a:rPr lang="hu-HU" dirty="0" smtClean="0"/>
+              <a:rPr lang="hu-HU" dirty="0"/>
               <a:t>shared pointer a shaded meshre (lehet közös)</a:t>
             </a:r>
           </a:p>
           <a:p>
             <a:pPr lvl="1"/>
             <a:r>
-              <a:rPr lang="hu-HU" dirty="0" smtClean="0"/>
+              <a:rPr lang="hu-HU" dirty="0"/>
               <a:t>saját konstans buffer</a:t>
             </a:r>
           </a:p>
           <a:p>
             <a:pPr lvl="2"/>
             <a:r>
-              <a:rPr lang="hu-HU" dirty="0" smtClean="0"/>
+              <a:rPr lang="hu-HU" dirty="0"/>
               <a:t>Egg</a:t>
             </a:r>
             <a:r>
-              <a:rPr lang="en-US" dirty="0" smtClean="0"/>
+              <a:rPr lang="en-US" dirty="0"/>
               <a:t>::</a:t>
             </a:r>
             <a:r>
-              <a:rPr lang="en-US" dirty="0" err="1" smtClean="0"/>
-              <a:t>ConstanBuffer</a:t>
-            </a:r>
-            <a:r>
-              <a:rPr lang="en-US" dirty="0" smtClean="0"/>
-              <a:t>&lt;</a:t>
-            </a:r>
-            <a:r>
-              <a:rPr lang="en-US" dirty="0" err="1" smtClean="0"/>
+              <a:rPr lang="en-US" dirty="0" err="1"/>
+              <a:t>Constan</a:t>
+            </a:r>
+            <a:r>
+              <a:rPr lang="hu-HU" dirty="0"/>
+              <a:t>t</a:t>
+            </a:r>
+            <a:r>
+              <a:rPr lang="en-US" dirty="0"/>
+              <a:t>Buffer&lt;</a:t>
+            </a:r>
+            <a:r>
+              <a:rPr lang="en-US" dirty="0" err="1"/>
               <a:t>PerObjectCb</a:t>
             </a:r>
             <a:r>
-              <a:rPr lang="en-US" dirty="0" smtClean="0"/>
+              <a:rPr lang="en-US" dirty="0"/>
               <a:t>&gt; </a:t>
             </a:r>
             <a:r>
-              <a:rPr lang="en-US" dirty="0" err="1" smtClean="0"/>
+              <a:rPr lang="en-US" dirty="0" err="1"/>
               <a:t>haszn</a:t>
             </a:r>
             <a:r>
-              <a:rPr lang="hu-HU" dirty="0" smtClean="0"/>
+              <a:rPr lang="hu-HU" dirty="0"/>
               <a:t>álható</a:t>
             </a:r>
           </a:p>
           <a:p>
             <a:pPr lvl="1"/>
             <a:r>
-              <a:rPr lang="hu-HU" dirty="0" smtClean="0"/>
+              <a:rPr lang="hu-HU" dirty="0"/>
               <a:t>saját pozíció és sebesség</a:t>
             </a:r>
           </a:p>
@@ -1852,7 +1849,7 @@
           <a:lstStyle/>
           <a:p>
             <a:r>
-              <a:rPr lang="hu-HU" dirty="0" smtClean="0"/>
+              <a:rPr lang="hu-HU" dirty="0"/>
               <a:t>Buffer létrehozása</a:t>
             </a:r>
             <a:endParaRPr lang="en-US" dirty="0"/>
@@ -1875,11 +1872,11 @@
           <a:lstStyle/>
           <a:p>
             <a:r>
-              <a:rPr lang="hu-HU" dirty="0" smtClean="0"/>
+              <a:rPr lang="hu-HU" dirty="0"/>
               <a:t>Box</a:t>
             </a:r>
             <a:r>
-              <a:rPr lang="en-US" dirty="0" smtClean="0"/>
+              <a:rPr lang="en-US" dirty="0"/>
               <a:t>::</a:t>
             </a:r>
             <a:r>
@@ -1887,15 +1884,14 @@
               <a:t>CreateResources</a:t>
             </a:r>
             <a:r>
-              <a:rPr lang="hu-HU" dirty="0" smtClean="0"/>
+              <a:rPr lang="hu-HU" dirty="0"/>
               <a:t> metódus</a:t>
             </a:r>
-            <a:endParaRPr lang="hu-HU" dirty="0"/>
           </a:p>
           <a:p>
             <a:pPr lvl="1"/>
             <a:r>
-              <a:rPr lang="hu-HU" dirty="0" smtClean="0"/>
+              <a:rPr lang="hu-HU" dirty="0"/>
               <a:t>konstansbuffer erőforrás-létrehozás</a:t>
             </a:r>
             <a:endParaRPr lang="en-US" dirty="0"/>
@@ -1948,7 +1944,7 @@
           <a:lstStyle/>
           <a:p>
             <a:r>
-              <a:rPr lang="hu-HU" dirty="0" smtClean="0"/>
+              <a:rPr lang="hu-HU" dirty="0"/>
               <a:t>Animáció</a:t>
             </a:r>
             <a:endParaRPr lang="en-US" dirty="0"/>
@@ -1971,18 +1967,17 @@
           <a:lstStyle/>
           <a:p>
             <a:r>
-              <a:rPr lang="hu-HU" dirty="0" smtClean="0"/>
+              <a:rPr lang="hu-HU" dirty="0"/>
               <a:t>Box</a:t>
             </a:r>
             <a:r>
-              <a:rPr lang="en-US" dirty="0" smtClean="0"/>
+              <a:rPr lang="en-US" dirty="0"/>
               <a:t>::</a:t>
             </a:r>
             <a:r>
-              <a:rPr lang="hu-HU" dirty="0" smtClean="0"/>
+              <a:rPr lang="hu-HU" dirty="0"/>
               <a:t>Update metódus</a:t>
             </a:r>
-            <a:endParaRPr lang="hu-HU" dirty="0"/>
           </a:p>
           <a:p>
             <a:pPr lvl="1"/>
@@ -2054,11 +2049,11 @@
           <a:lstStyle/>
           <a:p>
             <a:r>
-              <a:rPr lang="en-US" dirty="0" err="1" smtClean="0"/>
+              <a:rPr lang="en-US" dirty="0" err="1"/>
               <a:t>Rajzol</a:t>
             </a:r>
             <a:r>
-              <a:rPr lang="hu-HU" dirty="0" smtClean="0"/>
+              <a:rPr lang="hu-HU" dirty="0"/>
               <a:t>ás</a:t>
             </a:r>
             <a:endParaRPr lang="en-US" dirty="0"/>
@@ -2081,44 +2076,43 @@
           <a:lstStyle/>
           <a:p>
             <a:r>
-              <a:rPr lang="hu-HU" dirty="0" smtClean="0"/>
+              <a:rPr lang="hu-HU" dirty="0"/>
               <a:t>Box</a:t>
             </a:r>
             <a:r>
-              <a:rPr lang="en-US" dirty="0" smtClean="0"/>
+              <a:rPr lang="en-US" dirty="0"/>
               <a:t>::</a:t>
             </a:r>
             <a:r>
-              <a:rPr lang="hu-HU" dirty="0" smtClean="0"/>
+              <a:rPr lang="hu-HU" dirty="0"/>
               <a:t>Draw metódus</a:t>
             </a:r>
-            <a:endParaRPr lang="hu-HU" dirty="0"/>
           </a:p>
           <a:p>
             <a:pPr lvl="1"/>
             <a:r>
-              <a:rPr lang="hu-HU" dirty="0" smtClean="0"/>
+              <a:rPr lang="hu-HU" dirty="0"/>
               <a:t>a saját konstansbuffer bekötése az anyagon keresztül</a:t>
             </a:r>
           </a:p>
           <a:p>
             <a:pPr lvl="2"/>
             <a:r>
-              <a:rPr lang="hu-HU" dirty="0" smtClean="0"/>
+              <a:rPr lang="hu-HU" dirty="0"/>
               <a:t>ez egy kicsi hack, elvileg az anyagot egyszer beállítjuk és nem bántjuk</a:t>
             </a:r>
           </a:p>
           <a:p>
             <a:pPr lvl="2"/>
             <a:r>
-              <a:rPr lang="hu-HU" dirty="0" smtClean="0"/>
+              <a:rPr lang="hu-HU" dirty="0"/>
               <a:t>majd átlépünk ezen amikor az összes transzformációt egy bufferbe gyűjtjük</a:t>
             </a:r>
           </a:p>
           <a:p>
             <a:pPr lvl="1"/>
             <a:r>
-              <a:rPr lang="hu-HU" dirty="0" smtClean="0"/>
+              <a:rPr lang="hu-HU" dirty="0"/>
               <a:t>shaded mesh rajzolása</a:t>
             </a:r>
             <a:endParaRPr lang="en-US" dirty="0"/>
@@ -2171,7 +2165,7 @@
           <a:lstStyle/>
           <a:p>
             <a:r>
-              <a:rPr lang="hu-HU" dirty="0" smtClean="0"/>
+              <a:rPr lang="hu-HU" dirty="0"/>
               <a:t>ggl002App-ban</a:t>
             </a:r>
             <a:endParaRPr lang="en-US" dirty="0"/>
@@ -2194,28 +2188,28 @@
           <a:lstStyle/>
           <a:p>
             <a:r>
-              <a:rPr lang="hu-HU" dirty="0" smtClean="0"/>
+              <a:rPr lang="hu-HU" dirty="0"/>
               <a:t>legyen pár dobozpéldány</a:t>
             </a:r>
           </a:p>
           <a:p>
             <a:r>
-              <a:rPr lang="hu-HU" dirty="0" smtClean="0"/>
+              <a:rPr lang="hu-HU" dirty="0"/>
               <a:t>erőforráslétrehozáskor (LoadAssets) hozzuk létre az erőforrásaikat</a:t>
             </a:r>
           </a:p>
           <a:p>
             <a:r>
-              <a:rPr lang="hu-HU" dirty="0" smtClean="0"/>
+              <a:rPr lang="hu-HU" dirty="0"/>
               <a:t>minden frameben mozgassuk őket (Update)</a:t>
             </a:r>
           </a:p>
           <a:p>
             <a:r>
-              <a:rPr lang="hu-HU" smtClean="0"/>
+              <a:rPr lang="hu-HU"/>
               <a:t>rajzoljuk őket (PopulateCommandList)</a:t>
             </a:r>
-            <a:endParaRPr lang="hu-HU" dirty="0" smtClean="0"/>
+            <a:endParaRPr lang="hu-HU" dirty="0"/>
           </a:p>
           <a:p>
             <a:pPr marL="0" indent="0">
